--- a/Presentation.pptx
+++ b/Presentation.pptx
@@ -5,17 +5,20 @@
     <p:sldMasterId id="2147483648" r:id="rId4"/>
   </p:sldMasterIdLst>
   <p:notesMasterIdLst>
-    <p:notesMasterId r:id="rId10"/>
+    <p:notesMasterId r:id="rId13"/>
   </p:notesMasterIdLst>
   <p:handoutMasterIdLst>
-    <p:handoutMasterId r:id="rId11"/>
+    <p:handoutMasterId r:id="rId14"/>
   </p:handoutMasterIdLst>
   <p:sldIdLst>
     <p:sldId id="310" r:id="rId5"/>
     <p:sldId id="311" r:id="rId6"/>
-    <p:sldId id="312" r:id="rId7"/>
-    <p:sldId id="306" r:id="rId8"/>
-    <p:sldId id="298" r:id="rId9"/>
+    <p:sldId id="313" r:id="rId7"/>
+    <p:sldId id="312" r:id="rId8"/>
+    <p:sldId id="314" r:id="rId9"/>
+    <p:sldId id="315" r:id="rId10"/>
+    <p:sldId id="306" r:id="rId11"/>
+    <p:sldId id="298" r:id="rId12"/>
   </p:sldIdLst>
   <p:sldSz cx="12192000" cy="6858000"/>
   <p:notesSz cx="6858000" cy="9144000"/>
@@ -134,6 +137,7 @@
 <file path=ppt/revisionInfo.xml><?xml version="1.0" encoding="utf-8"?>
 <p1510:revInfo xmlns:a="http://schemas.openxmlformats.org/drawingml/2006/main" xmlns:r="http://schemas.openxmlformats.org/officeDocument/2006/relationships" xmlns:p1510="http://schemas.microsoft.com/office/powerpoint/2015/10/main">
   <p1510:revLst>
+    <p1510:client id="{08D1419C-3CCB-33C6-6FBD-3D752D7BBA60}" v="142" dt="2024-03-11T23:54:58"/>
     <p1510:client id="{9AB58AA1-3BBB-5798-4B64-19E1F476E9D3}" v="105" dt="2024-03-11T00:39:48.739"/>
   </p1510:revLst>
 </p1510:revInfo>
@@ -383,6 +387,240 @@
       </pc:sldChg>
     </pc:docChg>
   </pc:docChgLst>
+  <pc:docChgLst>
+    <pc:chgData name="Michael Szotkowski" userId="S::xszotko1@mendelu.cz::be782a8f-0997-482c-84d9-e8b4ec0ca663" providerId="AD" clId="Web-{08D1419C-3CCB-33C6-6FBD-3D752D7BBA60}"/>
+    <pc:docChg chg="addSld modSld sldOrd">
+      <pc:chgData name="Michael Szotkowski" userId="S::xszotko1@mendelu.cz::be782a8f-0997-482c-84d9-e8b4ec0ca663" providerId="AD" clId="Web-{08D1419C-3CCB-33C6-6FBD-3D752D7BBA60}" dt="2024-03-11T23:54:58" v="132" actId="20577"/>
+      <pc:docMkLst>
+        <pc:docMk/>
+      </pc:docMkLst>
+      <pc:sldChg chg="modSp">
+        <pc:chgData name="Michael Szotkowski" userId="S::xszotko1@mendelu.cz::be782a8f-0997-482c-84d9-e8b4ec0ca663" providerId="AD" clId="Web-{08D1419C-3CCB-33C6-6FBD-3D752D7BBA60}" dt="2024-03-11T23:50:23.678" v="120"/>
+        <pc:sldMkLst>
+          <pc:docMk/>
+          <pc:sldMk cId="3010151088" sldId="298"/>
+        </pc:sldMkLst>
+        <pc:spChg chg="mod">
+          <ac:chgData name="Michael Szotkowski" userId="S::xszotko1@mendelu.cz::be782a8f-0997-482c-84d9-e8b4ec0ca663" providerId="AD" clId="Web-{08D1419C-3CCB-33C6-6FBD-3D752D7BBA60}" dt="2024-03-11T23:50:23.678" v="120"/>
+          <ac:spMkLst>
+            <pc:docMk/>
+            <pc:sldMk cId="3010151088" sldId="298"/>
+            <ac:spMk id="3" creationId="{DACBCD3B-EAB4-87E8-85AB-C9DDB7162C68}"/>
+          </ac:spMkLst>
+        </pc:spChg>
+      </pc:sldChg>
+      <pc:sldChg chg="modSp">
+        <pc:chgData name="Michael Szotkowski" userId="S::xszotko1@mendelu.cz::be782a8f-0997-482c-84d9-e8b4ec0ca663" providerId="AD" clId="Web-{08D1419C-3CCB-33C6-6FBD-3D752D7BBA60}" dt="2024-03-11T23:54:58" v="132" actId="20577"/>
+        <pc:sldMkLst>
+          <pc:docMk/>
+          <pc:sldMk cId="654652765" sldId="306"/>
+        </pc:sldMkLst>
+        <pc:spChg chg="mod">
+          <ac:chgData name="Michael Szotkowski" userId="S::xszotko1@mendelu.cz::be782a8f-0997-482c-84d9-e8b4ec0ca663" providerId="AD" clId="Web-{08D1419C-3CCB-33C6-6FBD-3D752D7BBA60}" dt="2024-03-11T23:50:18.225" v="119"/>
+          <ac:spMkLst>
+            <pc:docMk/>
+            <pc:sldMk cId="654652765" sldId="306"/>
+            <ac:spMk id="2" creationId="{00490171-2859-5322-0F76-C05597544FBD}"/>
+          </ac:spMkLst>
+        </pc:spChg>
+        <pc:spChg chg="mod">
+          <ac:chgData name="Michael Szotkowski" userId="S::xszotko1@mendelu.cz::be782a8f-0997-482c-84d9-e8b4ec0ca663" providerId="AD" clId="Web-{08D1419C-3CCB-33C6-6FBD-3D752D7BBA60}" dt="2024-03-11T23:50:57.070" v="125" actId="20577"/>
+          <ac:spMkLst>
+            <pc:docMk/>
+            <pc:sldMk cId="654652765" sldId="306"/>
+            <ac:spMk id="26" creationId="{CDA2767E-38F3-49F7-BE02-EA3E6C7C8096}"/>
+          </ac:spMkLst>
+        </pc:spChg>
+        <pc:spChg chg="mod">
+          <ac:chgData name="Michael Szotkowski" userId="S::xszotko1@mendelu.cz::be782a8f-0997-482c-84d9-e8b4ec0ca663" providerId="AD" clId="Web-{08D1419C-3CCB-33C6-6FBD-3D752D7BBA60}" dt="2024-03-11T23:54:58" v="132" actId="20577"/>
+          <ac:spMkLst>
+            <pc:docMk/>
+            <pc:sldMk cId="654652765" sldId="306"/>
+            <ac:spMk id="50" creationId="{62192F0C-65C9-4E6D-9314-81FB7E4DB469}"/>
+          </ac:spMkLst>
+        </pc:spChg>
+      </pc:sldChg>
+      <pc:sldChg chg="modSp">
+        <pc:chgData name="Michael Szotkowski" userId="S::xszotko1@mendelu.cz::be782a8f-0997-482c-84d9-e8b4ec0ca663" providerId="AD" clId="Web-{08D1419C-3CCB-33C6-6FBD-3D752D7BBA60}" dt="2024-03-11T23:51:04.429" v="126" actId="20577"/>
+        <pc:sldMkLst>
+          <pc:docMk/>
+          <pc:sldMk cId="3924752392" sldId="311"/>
+        </pc:sldMkLst>
+        <pc:spChg chg="mod">
+          <ac:chgData name="Michael Szotkowski" userId="S::xszotko1@mendelu.cz::be782a8f-0997-482c-84d9-e8b4ec0ca663" providerId="AD" clId="Web-{08D1419C-3CCB-33C6-6FBD-3D752D7BBA60}" dt="2024-03-11T23:49:41.677" v="110"/>
+          <ac:spMkLst>
+            <pc:docMk/>
+            <pc:sldMk cId="3924752392" sldId="311"/>
+            <ac:spMk id="2" creationId="{00490171-2859-5322-0F76-C05597544FBD}"/>
+          </ac:spMkLst>
+        </pc:spChg>
+        <pc:spChg chg="mod">
+          <ac:chgData name="Michael Szotkowski" userId="S::xszotko1@mendelu.cz::be782a8f-0997-482c-84d9-e8b4ec0ca663" providerId="AD" clId="Web-{08D1419C-3CCB-33C6-6FBD-3D752D7BBA60}" dt="2024-03-11T23:51:04.429" v="126" actId="20577"/>
+          <ac:spMkLst>
+            <pc:docMk/>
+            <pc:sldMk cId="3924752392" sldId="311"/>
+            <ac:spMk id="26" creationId="{CDA2767E-38F3-49F7-BE02-EA3E6C7C8096}"/>
+          </ac:spMkLst>
+        </pc:spChg>
+        <pc:spChg chg="mod">
+          <ac:chgData name="Michael Szotkowski" userId="S::xszotko1@mendelu.cz::be782a8f-0997-482c-84d9-e8b4ec0ca663" providerId="AD" clId="Web-{08D1419C-3CCB-33C6-6FBD-3D752D7BBA60}" dt="2024-03-11T23:49:41.630" v="109"/>
+          <ac:spMkLst>
+            <pc:docMk/>
+            <pc:sldMk cId="3924752392" sldId="311"/>
+            <ac:spMk id="50" creationId="{62192F0C-65C9-4E6D-9314-81FB7E4DB469}"/>
+          </ac:spMkLst>
+        </pc:spChg>
+      </pc:sldChg>
+      <pc:sldChg chg="addSp delSp modSp ord">
+        <pc:chgData name="Michael Szotkowski" userId="S::xszotko1@mendelu.cz::be782a8f-0997-482c-84d9-e8b4ec0ca663" providerId="AD" clId="Web-{08D1419C-3CCB-33C6-6FBD-3D752D7BBA60}" dt="2024-03-11T23:39:31.890" v="46" actId="1076"/>
+        <pc:sldMkLst>
+          <pc:docMk/>
+          <pc:sldMk cId="4234060837" sldId="312"/>
+        </pc:sldMkLst>
+        <pc:spChg chg="mod">
+          <ac:chgData name="Michael Szotkowski" userId="S::xszotko1@mendelu.cz::be782a8f-0997-482c-84d9-e8b4ec0ca663" providerId="AD" clId="Web-{08D1419C-3CCB-33C6-6FBD-3D752D7BBA60}" dt="2024-03-11T23:37:17.511" v="35"/>
+          <ac:spMkLst>
+            <pc:docMk/>
+            <pc:sldMk cId="4234060837" sldId="312"/>
+            <ac:spMk id="5" creationId="{CE5817CA-DDD3-C213-0403-F4CEAC738D1A}"/>
+          </ac:spMkLst>
+        </pc:spChg>
+        <pc:picChg chg="add del mod modCrop">
+          <ac:chgData name="Michael Szotkowski" userId="S::xszotko1@mendelu.cz::be782a8f-0997-482c-84d9-e8b4ec0ca663" providerId="AD" clId="Web-{08D1419C-3CCB-33C6-6FBD-3D752D7BBA60}" dt="2024-03-11T23:38:20.732" v="37"/>
+          <ac:picMkLst>
+            <pc:docMk/>
+            <pc:sldMk cId="4234060837" sldId="312"/>
+            <ac:picMk id="2" creationId="{89AAEB80-EEA0-67B6-8BB5-70A0F4C0A176}"/>
+          </ac:picMkLst>
+        </pc:picChg>
+        <pc:picChg chg="add del mod">
+          <ac:chgData name="Michael Szotkowski" userId="S::xszotko1@mendelu.cz::be782a8f-0997-482c-84d9-e8b4ec0ca663" providerId="AD" clId="Web-{08D1419C-3CCB-33C6-6FBD-3D752D7BBA60}" dt="2024-03-11T23:39:02.467" v="40"/>
+          <ac:picMkLst>
+            <pc:docMk/>
+            <pc:sldMk cId="4234060837" sldId="312"/>
+            <ac:picMk id="3" creationId="{C8C65D39-2D21-41F9-F759-2A376200CC0E}"/>
+          </ac:picMkLst>
+        </pc:picChg>
+        <pc:picChg chg="add mod">
+          <ac:chgData name="Michael Szotkowski" userId="S::xszotko1@mendelu.cz::be782a8f-0997-482c-84d9-e8b4ec0ca663" providerId="AD" clId="Web-{08D1419C-3CCB-33C6-6FBD-3D752D7BBA60}" dt="2024-03-11T23:39:31.890" v="46" actId="1076"/>
+          <ac:picMkLst>
+            <pc:docMk/>
+            <pc:sldMk cId="4234060837" sldId="312"/>
+            <ac:picMk id="4" creationId="{53AEEA3B-0D91-2253-DA3F-9EC95ABBFAC3}"/>
+          </ac:picMkLst>
+        </pc:picChg>
+      </pc:sldChg>
+      <pc:sldChg chg="modSp add replId">
+        <pc:chgData name="Michael Szotkowski" userId="S::xszotko1@mendelu.cz::be782a8f-0997-482c-84d9-e8b4ec0ca663" providerId="AD" clId="Web-{08D1419C-3CCB-33C6-6FBD-3D752D7BBA60}" dt="2024-03-11T23:49:50.239" v="112"/>
+        <pc:sldMkLst>
+          <pc:docMk/>
+          <pc:sldMk cId="10315881" sldId="313"/>
+        </pc:sldMkLst>
+        <pc:spChg chg="mod">
+          <ac:chgData name="Michael Szotkowski" userId="S::xszotko1@mendelu.cz::be782a8f-0997-482c-84d9-e8b4ec0ca663" providerId="AD" clId="Web-{08D1419C-3CCB-33C6-6FBD-3D752D7BBA60}" dt="2024-03-11T23:49:50.224" v="111"/>
+          <ac:spMkLst>
+            <pc:docMk/>
+            <pc:sldMk cId="10315881" sldId="313"/>
+            <ac:spMk id="5" creationId="{CE5817CA-DDD3-C213-0403-F4CEAC738D1A}"/>
+          </ac:spMkLst>
+        </pc:spChg>
+        <pc:spChg chg="mod">
+          <ac:chgData name="Michael Szotkowski" userId="S::xszotko1@mendelu.cz::be782a8f-0997-482c-84d9-e8b4ec0ca663" providerId="AD" clId="Web-{08D1419C-3CCB-33C6-6FBD-3D752D7BBA60}" dt="2024-03-11T23:49:50.239" v="112"/>
+          <ac:spMkLst>
+            <pc:docMk/>
+            <pc:sldMk cId="10315881" sldId="313"/>
+            <ac:spMk id="6" creationId="{18BCB7A0-904D-32DD-FAD1-9FD60A473BDA}"/>
+          </ac:spMkLst>
+        </pc:spChg>
+      </pc:sldChg>
+      <pc:sldChg chg="addSp delSp modSp add replId">
+        <pc:chgData name="Michael Szotkowski" userId="S::xszotko1@mendelu.cz::be782a8f-0997-482c-84d9-e8b4ec0ca663" providerId="AD" clId="Web-{08D1419C-3CCB-33C6-6FBD-3D752D7BBA60}" dt="2024-03-11T23:50:08.396" v="114"/>
+        <pc:sldMkLst>
+          <pc:docMk/>
+          <pc:sldMk cId="3252962388" sldId="314"/>
+        </pc:sldMkLst>
+        <pc:spChg chg="mod">
+          <ac:chgData name="Michael Szotkowski" userId="S::xszotko1@mendelu.cz::be782a8f-0997-482c-84d9-e8b4ec0ca663" providerId="AD" clId="Web-{08D1419C-3CCB-33C6-6FBD-3D752D7BBA60}" dt="2024-03-11T23:50:08.396" v="113"/>
+          <ac:spMkLst>
+            <pc:docMk/>
+            <pc:sldMk cId="3252962388" sldId="314"/>
+            <ac:spMk id="5" creationId="{CE5817CA-DDD3-C213-0403-F4CEAC738D1A}"/>
+          </ac:spMkLst>
+        </pc:spChg>
+        <pc:spChg chg="mod">
+          <ac:chgData name="Michael Szotkowski" userId="S::xszotko1@mendelu.cz::be782a8f-0997-482c-84d9-e8b4ec0ca663" providerId="AD" clId="Web-{08D1419C-3CCB-33C6-6FBD-3D752D7BBA60}" dt="2024-03-11T23:50:08.396" v="114"/>
+          <ac:spMkLst>
+            <pc:docMk/>
+            <pc:sldMk cId="3252962388" sldId="314"/>
+            <ac:spMk id="6" creationId="{18BCB7A0-904D-32DD-FAD1-9FD60A473BDA}"/>
+          </ac:spMkLst>
+        </pc:spChg>
+        <pc:picChg chg="add mod">
+          <ac:chgData name="Michael Szotkowski" userId="S::xszotko1@mendelu.cz::be782a8f-0997-482c-84d9-e8b4ec0ca663" providerId="AD" clId="Web-{08D1419C-3CCB-33C6-6FBD-3D752D7BBA60}" dt="2024-03-11T23:40:12.688" v="50" actId="1076"/>
+          <ac:picMkLst>
+            <pc:docMk/>
+            <pc:sldMk cId="3252962388" sldId="314"/>
+            <ac:picMk id="2" creationId="{0E3C0697-A25F-2D08-984B-6EFA273F7CFE}"/>
+          </ac:picMkLst>
+        </pc:picChg>
+        <pc:picChg chg="del">
+          <ac:chgData name="Michael Szotkowski" userId="S::xszotko1@mendelu.cz::be782a8f-0997-482c-84d9-e8b4ec0ca663" providerId="AD" clId="Web-{08D1419C-3CCB-33C6-6FBD-3D752D7BBA60}" dt="2024-03-11T23:40:06.282" v="48"/>
+          <ac:picMkLst>
+            <pc:docMk/>
+            <pc:sldMk cId="3252962388" sldId="314"/>
+            <ac:picMk id="4" creationId="{53AEEA3B-0D91-2253-DA3F-9EC95ABBFAC3}"/>
+          </ac:picMkLst>
+        </pc:picChg>
+      </pc:sldChg>
+      <pc:sldChg chg="addSp delSp modSp add replId">
+        <pc:chgData name="Michael Szotkowski" userId="S::xszotko1@mendelu.cz::be782a8f-0997-482c-84d9-e8b4ec0ca663" providerId="AD" clId="Web-{08D1419C-3CCB-33C6-6FBD-3D752D7BBA60}" dt="2024-03-11T23:50:13.303" v="116"/>
+        <pc:sldMkLst>
+          <pc:docMk/>
+          <pc:sldMk cId="2560972801" sldId="315"/>
+        </pc:sldMkLst>
+        <pc:spChg chg="mod">
+          <ac:chgData name="Michael Szotkowski" userId="S::xszotko1@mendelu.cz::be782a8f-0997-482c-84d9-e8b4ec0ca663" providerId="AD" clId="Web-{08D1419C-3CCB-33C6-6FBD-3D752D7BBA60}" dt="2024-03-11T23:50:13.287" v="115"/>
+          <ac:spMkLst>
+            <pc:docMk/>
+            <pc:sldMk cId="2560972801" sldId="315"/>
+            <ac:spMk id="5" creationId="{CE5817CA-DDD3-C213-0403-F4CEAC738D1A}"/>
+          </ac:spMkLst>
+        </pc:spChg>
+        <pc:spChg chg="mod">
+          <ac:chgData name="Michael Szotkowski" userId="S::xszotko1@mendelu.cz::be782a8f-0997-482c-84d9-e8b4ec0ca663" providerId="AD" clId="Web-{08D1419C-3CCB-33C6-6FBD-3D752D7BBA60}" dt="2024-03-11T23:50:13.303" v="116"/>
+          <ac:spMkLst>
+            <pc:docMk/>
+            <pc:sldMk cId="2560972801" sldId="315"/>
+            <ac:spMk id="6" creationId="{18BCB7A0-904D-32DD-FAD1-9FD60A473BDA}"/>
+          </ac:spMkLst>
+        </pc:spChg>
+        <pc:picChg chg="del">
+          <ac:chgData name="Michael Szotkowski" userId="S::xszotko1@mendelu.cz::be782a8f-0997-482c-84d9-e8b4ec0ca663" providerId="AD" clId="Web-{08D1419C-3CCB-33C6-6FBD-3D752D7BBA60}" dt="2024-03-11T23:41:15.659" v="52"/>
+          <ac:picMkLst>
+            <pc:docMk/>
+            <pc:sldMk cId="2560972801" sldId="315"/>
+            <ac:picMk id="2" creationId="{0E3C0697-A25F-2D08-984B-6EFA273F7CFE}"/>
+          </ac:picMkLst>
+        </pc:picChg>
+        <pc:picChg chg="add del mod">
+          <ac:chgData name="Michael Szotkowski" userId="S::xszotko1@mendelu.cz::be782a8f-0997-482c-84d9-e8b4ec0ca663" providerId="AD" clId="Web-{08D1419C-3CCB-33C6-6FBD-3D752D7BBA60}" dt="2024-03-11T23:41:40.176" v="55"/>
+          <ac:picMkLst>
+            <pc:docMk/>
+            <pc:sldMk cId="2560972801" sldId="315"/>
+            <ac:picMk id="3" creationId="{C1D7A657-4E0A-CE4C-8A43-5C9940F9FA20}"/>
+          </ac:picMkLst>
+        </pc:picChg>
+        <pc:picChg chg="add mod">
+          <ac:chgData name="Michael Szotkowski" userId="S::xszotko1@mendelu.cz::be782a8f-0997-482c-84d9-e8b4ec0ca663" providerId="AD" clId="Web-{08D1419C-3CCB-33C6-6FBD-3D752D7BBA60}" dt="2024-03-11T23:41:48.504" v="57" actId="1076"/>
+          <ac:picMkLst>
+            <pc:docMk/>
+            <pc:sldMk cId="2560972801" sldId="315"/>
+            <ac:picMk id="4" creationId="{0FCF645E-9C4B-3678-8F97-B5E3A572C9FC}"/>
+          </ac:picMkLst>
+        </pc:picChg>
+      </pc:sldChg>
+    </pc:docChg>
+  </pc:docChgLst>
 </pc:chgInfo>
 </file>
 
@@ -480,7 +718,7 @@
           <a:p>
             <a:fld id="{86252186-C111-43A8-A0F7-F77FFDE4DF82}" type="datetimeFigureOut">
               <a:rPr lang="en-US" smtClean="0"/>
-              <a:t>3/10/2024</a:t>
+              <a:t>3/11/2024</a:t>
             </a:fld>
             <a:endParaRPr lang="en-US" dirty="0"/>
           </a:p>
@@ -657,7 +895,7 @@
           <a:p>
             <a:fld id="{7E2BBB5B-F3DE-41D7-B279-483D20E8E363}" type="datetimeFigureOut">
               <a:rPr lang="en-US" smtClean="0"/>
-              <a:t>3/10/2024</a:t>
+              <a:t>3/11/2024</a:t>
             </a:fld>
             <a:endParaRPr lang="en-US" dirty="0"/>
           </a:p>
@@ -6299,7 +6537,7 @@
         </p:nvSpPr>
         <p:spPr>
           <a:xfrm>
-            <a:off x="636608" y="804862"/>
+            <a:off x="646620" y="867873"/>
             <a:ext cx="3401992" cy="5121375"/>
           </a:xfrm>
           <a:ln>
@@ -6311,13 +6549,16 @@
           <a:lstStyle/>
           <a:p>
             <a:r>
-              <a:rPr lang="en-US" dirty="0" err="1">
+              <a:rPr lang="en-US" sz="4000" dirty="0" err="1">
+                <a:latin typeface="Century"/>
                 <a:ea typeface="+mj-lt"/>
                 <a:cs typeface="+mj-lt"/>
               </a:rPr>
-              <a:t>Zadaní</a:t>
-            </a:r>
-            <a:endParaRPr lang="cs-CZ" dirty="0" err="1"/>
+              <a:t>Zadání</a:t>
+            </a:r>
+            <a:endParaRPr lang="cs-CZ" sz="4000" dirty="0">
+              <a:latin typeface="Century"/>
+            </a:endParaRPr>
           </a:p>
         </p:txBody>
       </p:sp>
@@ -6348,7 +6589,57 @@
           <a:lstStyle/>
           <a:p>
             <a:pPr marL="283210" indent="-283210"/>
-            <a:endParaRPr lang="en-US" dirty="0"/>
+            <a:r>
+              <a:rPr lang="en-US" sz="3200" dirty="0">
+                <a:latin typeface="Century"/>
+              </a:rPr>
+              <a:t>Entity(</a:t>
+            </a:r>
+            <a:r>
+              <a:rPr lang="en-US" sz="3200" dirty="0" err="1">
+                <a:latin typeface="Century"/>
+              </a:rPr>
+              <a:t>celkem</a:t>
+            </a:r>
+            <a:r>
+              <a:rPr lang="en-US" sz="3200" dirty="0">
+                <a:latin typeface="Century"/>
+              </a:rPr>
+              <a:t> 14)</a:t>
+            </a:r>
+          </a:p>
+          <a:p>
+            <a:pPr marL="283210" indent="-283210"/>
+            <a:r>
+              <a:rPr lang="en-US" sz="3200" err="1">
+                <a:latin typeface="Century"/>
+              </a:rPr>
+              <a:t>Atributy</a:t>
+            </a:r>
+            <a:endParaRPr lang="en-US" sz="3200">
+              <a:latin typeface="Century"/>
+            </a:endParaRPr>
+          </a:p>
+          <a:p>
+            <a:pPr marL="283210" indent="-283210"/>
+            <a:r>
+              <a:rPr lang="en-US" sz="3200" dirty="0">
+                <a:latin typeface="Century"/>
+              </a:rPr>
+              <a:t>Relace</a:t>
+            </a:r>
+          </a:p>
+          <a:p>
+            <a:pPr marL="283210" indent="-283210"/>
+            <a:r>
+              <a:rPr lang="en-US" sz="3200" err="1">
+                <a:latin typeface="Century"/>
+              </a:rPr>
+              <a:t>Kardinalita</a:t>
+            </a:r>
+            <a:endParaRPr lang="en-US" sz="3200">
+              <a:latin typeface="Century"/>
+            </a:endParaRPr>
           </a:p>
         </p:txBody>
       </p:sp>
@@ -6374,7 +6665,9 @@
           <a:lstStyle/>
           <a:p>
             <a:r>
-              <a:rPr lang="en-US" dirty="0"/>
+              <a:rPr lang="en-US" dirty="0">
+                <a:latin typeface="Century"/>
+              </a:rPr>
               <a:t>1</a:t>
             </a:r>
           </a:p>
@@ -6428,16 +6721,19 @@
         </p:nvSpPr>
         <p:spPr>
           <a:xfrm>
-            <a:off x="4732683" y="702297"/>
-            <a:ext cx="2735402" cy="733218"/>
+            <a:off x="3939791" y="311000"/>
+            <a:ext cx="4300590" cy="733218"/>
           </a:xfrm>
         </p:spPr>
         <p:txBody>
           <a:bodyPr lIns="91440" tIns="45720" rIns="91440" bIns="45720" anchor="ctr"/>
           <a:lstStyle/>
           <a:p>
-            <a:r>
-              <a:rPr lang="cs-CZ" sz="2400" dirty="0"/>
+            <a:pPr algn="ctr"/>
+            <a:r>
+              <a:rPr lang="cs-CZ" sz="3600" dirty="0">
+                <a:latin typeface="Century"/>
+              </a:rPr>
               <a:t>Rozbor diagramu</a:t>
             </a:r>
           </a:p>
@@ -6465,16 +6761,48 @@
           <a:lstStyle/>
           <a:p>
             <a:r>
-              <a:rPr lang="en-US" dirty="0"/>
+              <a:rPr lang="en-US" dirty="0">
+                <a:latin typeface="Century"/>
+              </a:rPr>
               <a:t>2</a:t>
             </a:r>
           </a:p>
         </p:txBody>
       </p:sp>
+      <p:pic>
+        <p:nvPicPr>
+          <p:cNvPr id="2" name="Obrázek 1" descr="Obsah obrázku text, diagram, snímek obrazovky, řada/pruh&#10;&#10;Popis se vygeneroval automaticky.">
+            <a:extLst>
+              <a:ext uri="{FF2B5EF4-FFF2-40B4-BE49-F238E27FC236}">
+                <a16:creationId xmlns:a16="http://schemas.microsoft.com/office/drawing/2014/main" id="{89AAEB80-EEA0-67B6-8BB5-70A0F4C0A176}"/>
+              </a:ext>
+            </a:extLst>
+          </p:cNvPr>
+          <p:cNvPicPr>
+            <a:picLocks noChangeAspect="1"/>
+          </p:cNvPicPr>
+          <p:nvPr/>
+        </p:nvPicPr>
+        <p:blipFill>
+          <a:blip r:embed="rId2"/>
+          <a:stretch>
+            <a:fillRect/>
+          </a:stretch>
+        </p:blipFill>
+        <p:spPr>
+          <a:xfrm>
+            <a:off x="10297" y="1195687"/>
+            <a:ext cx="12161108" cy="5661114"/>
+          </a:xfrm>
+          <a:prstGeom prst="rect">
+            <a:avLst/>
+          </a:prstGeom>
+        </p:spPr>
+      </p:pic>
     </p:spTree>
     <p:extLst>
       <p:ext uri="{BB962C8B-B14F-4D97-AF65-F5344CB8AC3E}">
-        <p14:creationId xmlns:p14="http://schemas.microsoft.com/office/powerpoint/2010/main" val="4234060837"/>
+        <p14:creationId xmlns:p14="http://schemas.microsoft.com/office/powerpoint/2010/main" val="10315881"/>
       </p:ext>
     </p:extLst>
   </p:cSld>
@@ -6503,88 +6831,44 @@
       </p:grpSpPr>
       <p:sp>
         <p:nvSpPr>
-          <p:cNvPr id="26" name="Title 25">
-            <a:extLst>
-              <a:ext uri="{FF2B5EF4-FFF2-40B4-BE49-F238E27FC236}">
-                <a16:creationId xmlns:a16="http://schemas.microsoft.com/office/drawing/2014/main" id="{CDA2767E-38F3-49F7-BE02-EA3E6C7C8096}"/>
-              </a:ext>
-            </a:extLst>
-          </p:cNvPr>
-          <p:cNvSpPr>
-            <a:spLocks noGrp="1"/>
-          </p:cNvSpPr>
-          <p:nvPr>
-            <p:ph type="title"/>
-          </p:nvPr>
-        </p:nvSpPr>
-        <p:spPr>
-          <a:xfrm>
-            <a:off x="636608" y="804862"/>
-            <a:ext cx="3401992" cy="5121375"/>
-          </a:xfrm>
-          <a:ln>
-            <a:noFill/>
-          </a:ln>
+          <p:cNvPr id="5" name="Zástupný text 4">
+            <a:extLst>
+              <a:ext uri="{FF2B5EF4-FFF2-40B4-BE49-F238E27FC236}">
+                <a16:creationId xmlns:a16="http://schemas.microsoft.com/office/drawing/2014/main" id="{CE5817CA-DDD3-C213-0403-F4CEAC738D1A}"/>
+              </a:ext>
+            </a:extLst>
+          </p:cNvPr>
+          <p:cNvSpPr>
+            <a:spLocks noGrp="1"/>
+          </p:cNvSpPr>
+          <p:nvPr>
+            <p:ph type="body" sz="quarter" idx="11"/>
+          </p:nvPr>
+        </p:nvSpPr>
+        <p:spPr>
+          <a:xfrm>
+            <a:off x="3939791" y="311000"/>
+            <a:ext cx="4300590" cy="733218"/>
+          </a:xfrm>
         </p:spPr>
         <p:txBody>
           <a:bodyPr lIns="91440" tIns="45720" rIns="91440" bIns="45720" anchor="ctr"/>
           <a:lstStyle/>
           <a:p>
-            <a:r>
-              <a:rPr lang="en-US" dirty="0" err="1">
-                <a:ea typeface="+mj-lt"/>
-                <a:cs typeface="+mj-lt"/>
-              </a:rPr>
-              <a:t>Povedlo</a:t>
-            </a:r>
-            <a:r>
-              <a:rPr lang="en-US" dirty="0">
-                <a:ea typeface="+mj-lt"/>
-                <a:cs typeface="+mj-lt"/>
-              </a:rPr>
-              <a:t> se to?</a:t>
-            </a:r>
-            <a:endParaRPr lang="cs-CZ" dirty="0"/>
-          </a:p>
-        </p:txBody>
-      </p:sp>
-      <p:sp>
-        <p:nvSpPr>
-          <p:cNvPr id="50" name="Text Placeholder 17">
-            <a:extLst>
-              <a:ext uri="{FF2B5EF4-FFF2-40B4-BE49-F238E27FC236}">
-                <a16:creationId xmlns:a16="http://schemas.microsoft.com/office/drawing/2014/main" id="{62192F0C-65C9-4E6D-9314-81FB7E4DB469}"/>
-              </a:ext>
-            </a:extLst>
-          </p:cNvPr>
-          <p:cNvSpPr>
-            <a:spLocks noGrp="1"/>
-          </p:cNvSpPr>
-          <p:nvPr>
-            <p:ph sz="quarter" idx="10"/>
-          </p:nvPr>
-        </p:nvSpPr>
-        <p:spPr>
-          <a:xfrm>
-            <a:off x="5579338" y="804863"/>
-            <a:ext cx="5716587" cy="5248276"/>
-          </a:xfrm>
-        </p:spPr>
-        <p:txBody>
-          <a:bodyPr lIns="91440" tIns="45720" rIns="91440" bIns="45720" anchor="ctr"/>
-          <a:lstStyle/>
-          <a:p>
-            <a:pPr marL="283210" indent="-283210"/>
-            <a:endParaRPr lang="en-US" dirty="0"/>
-          </a:p>
-        </p:txBody>
-      </p:sp>
-      <p:sp>
-        <p:nvSpPr>
-          <p:cNvPr id="2" name="Slide Number Placeholder 1">
-            <a:extLst>
-              <a:ext uri="{FF2B5EF4-FFF2-40B4-BE49-F238E27FC236}">
-                <a16:creationId xmlns:a16="http://schemas.microsoft.com/office/drawing/2014/main" id="{00490171-2859-5322-0F76-C05597544FBD}"/>
+            <a:pPr algn="ctr"/>
+            <a:r>
+              <a:rPr lang="cs-CZ" sz="3600" dirty="0"/>
+              <a:t>Rozbor diagramu</a:t>
+            </a:r>
+          </a:p>
+        </p:txBody>
+      </p:sp>
+      <p:sp>
+        <p:nvSpPr>
+          <p:cNvPr id="6" name="Zástupný symbol pro číslo snímku 5">
+            <a:extLst>
+              <a:ext uri="{FF2B5EF4-FFF2-40B4-BE49-F238E27FC236}">
+                <a16:creationId xmlns:a16="http://schemas.microsoft.com/office/drawing/2014/main" id="{18BCB7A0-904D-32DD-FAD1-9FD60A473BDA}"/>
               </a:ext>
             </a:extLst>
           </p:cNvPr>
@@ -6602,15 +6886,45 @@
           <a:p>
             <a:r>
               <a:rPr lang="en-US" dirty="0"/>
-              <a:t>3</a:t>
-            </a:r>
-          </a:p>
-        </p:txBody>
-      </p:sp>
+              <a:t>2</a:t>
+            </a:r>
+          </a:p>
+        </p:txBody>
+      </p:sp>
+      <p:pic>
+        <p:nvPicPr>
+          <p:cNvPr id="4" name="Obrázek 3" descr="Obsah obrázku text, diagram, snímek obrazovky, Plán&#10;&#10;Popis se vygeneroval automaticky.">
+            <a:extLst>
+              <a:ext uri="{FF2B5EF4-FFF2-40B4-BE49-F238E27FC236}">
+                <a16:creationId xmlns:a16="http://schemas.microsoft.com/office/drawing/2014/main" id="{53AEEA3B-0D91-2253-DA3F-9EC95ABBFAC3}"/>
+              </a:ext>
+            </a:extLst>
+          </p:cNvPr>
+          <p:cNvPicPr>
+            <a:picLocks noChangeAspect="1"/>
+          </p:cNvPicPr>
+          <p:nvPr/>
+        </p:nvPicPr>
+        <p:blipFill>
+          <a:blip r:embed="rId2"/>
+          <a:stretch>
+            <a:fillRect/>
+          </a:stretch>
+        </p:blipFill>
+        <p:spPr>
+          <a:xfrm>
+            <a:off x="778476" y="1043759"/>
+            <a:ext cx="10635049" cy="5810508"/>
+          </a:xfrm>
+          <a:prstGeom prst="rect">
+            <a:avLst/>
+          </a:prstGeom>
+        </p:spPr>
+      </p:pic>
     </p:spTree>
     <p:extLst>
       <p:ext uri="{BB962C8B-B14F-4D97-AF65-F5344CB8AC3E}">
-        <p14:creationId xmlns:p14="http://schemas.microsoft.com/office/powerpoint/2010/main" val="654652765"/>
+        <p14:creationId xmlns:p14="http://schemas.microsoft.com/office/powerpoint/2010/main" val="4234060837"/>
       </p:ext>
     </p:extLst>
   </p:cSld>
@@ -6639,6 +6953,445 @@
       </p:grpSpPr>
       <p:sp>
         <p:nvSpPr>
+          <p:cNvPr id="5" name="Zástupný text 4">
+            <a:extLst>
+              <a:ext uri="{FF2B5EF4-FFF2-40B4-BE49-F238E27FC236}">
+                <a16:creationId xmlns:a16="http://schemas.microsoft.com/office/drawing/2014/main" id="{CE5817CA-DDD3-C213-0403-F4CEAC738D1A}"/>
+              </a:ext>
+            </a:extLst>
+          </p:cNvPr>
+          <p:cNvSpPr>
+            <a:spLocks noGrp="1"/>
+          </p:cNvSpPr>
+          <p:nvPr>
+            <p:ph type="body" sz="quarter" idx="11"/>
+          </p:nvPr>
+        </p:nvSpPr>
+        <p:spPr>
+          <a:xfrm>
+            <a:off x="3939791" y="311000"/>
+            <a:ext cx="4300590" cy="733218"/>
+          </a:xfrm>
+        </p:spPr>
+        <p:txBody>
+          <a:bodyPr lIns="91440" tIns="45720" rIns="91440" bIns="45720" anchor="ctr"/>
+          <a:lstStyle/>
+          <a:p>
+            <a:pPr algn="ctr"/>
+            <a:r>
+              <a:rPr lang="cs-CZ" sz="3600" dirty="0">
+                <a:latin typeface="Century"/>
+              </a:rPr>
+              <a:t>Rozbor diagramu</a:t>
+            </a:r>
+          </a:p>
+        </p:txBody>
+      </p:sp>
+      <p:sp>
+        <p:nvSpPr>
+          <p:cNvPr id="6" name="Zástupný symbol pro číslo snímku 5">
+            <a:extLst>
+              <a:ext uri="{FF2B5EF4-FFF2-40B4-BE49-F238E27FC236}">
+                <a16:creationId xmlns:a16="http://schemas.microsoft.com/office/drawing/2014/main" id="{18BCB7A0-904D-32DD-FAD1-9FD60A473BDA}"/>
+              </a:ext>
+            </a:extLst>
+          </p:cNvPr>
+          <p:cNvSpPr>
+            <a:spLocks noGrp="1"/>
+          </p:cNvSpPr>
+          <p:nvPr>
+            <p:ph type="sldNum" sz="quarter" idx="4"/>
+          </p:nvPr>
+        </p:nvSpPr>
+        <p:spPr/>
+        <p:txBody>
+          <a:bodyPr/>
+          <a:lstStyle/>
+          <a:p>
+            <a:r>
+              <a:rPr lang="en-US" dirty="0">
+                <a:latin typeface="Century"/>
+              </a:rPr>
+              <a:t>2</a:t>
+            </a:r>
+          </a:p>
+        </p:txBody>
+      </p:sp>
+      <p:pic>
+        <p:nvPicPr>
+          <p:cNvPr id="2" name="Obrázek 1" descr="Obsah obrázku text, diagram, snímek obrazovky, Písmo&#10;&#10;Popis se vygeneroval automaticky.">
+            <a:extLst>
+              <a:ext uri="{FF2B5EF4-FFF2-40B4-BE49-F238E27FC236}">
+                <a16:creationId xmlns:a16="http://schemas.microsoft.com/office/drawing/2014/main" id="{0E3C0697-A25F-2D08-984B-6EFA273F7CFE}"/>
+              </a:ext>
+            </a:extLst>
+          </p:cNvPr>
+          <p:cNvPicPr>
+            <a:picLocks noChangeAspect="1"/>
+          </p:cNvPicPr>
+          <p:nvPr/>
+        </p:nvPicPr>
+        <p:blipFill>
+          <a:blip r:embed="rId2"/>
+          <a:stretch>
+            <a:fillRect/>
+          </a:stretch>
+        </p:blipFill>
+        <p:spPr>
+          <a:xfrm>
+            <a:off x="0" y="1046502"/>
+            <a:ext cx="12192000" cy="5815321"/>
+          </a:xfrm>
+          <a:prstGeom prst="rect">
+            <a:avLst/>
+          </a:prstGeom>
+        </p:spPr>
+      </p:pic>
+    </p:spTree>
+    <p:extLst>
+      <p:ext uri="{BB962C8B-B14F-4D97-AF65-F5344CB8AC3E}">
+        <p14:creationId xmlns:p14="http://schemas.microsoft.com/office/powerpoint/2010/main" val="3252962388"/>
+      </p:ext>
+    </p:extLst>
+  </p:cSld>
+  <p:clrMapOvr>
+    <a:masterClrMapping/>
+  </p:clrMapOvr>
+</p:sld>
+</file>
+
+<file path=ppt/slides/slide6.xml><?xml version="1.0" encoding="utf-8"?>
+<p:sld xmlns:a="http://schemas.openxmlformats.org/drawingml/2006/main" xmlns:r="http://schemas.openxmlformats.org/officeDocument/2006/relationships" xmlns:p="http://schemas.openxmlformats.org/presentationml/2006/main">
+  <p:cSld>
+    <p:spTree>
+      <p:nvGrpSpPr>
+        <p:cNvPr id="1" name=""/>
+        <p:cNvGrpSpPr/>
+        <p:nvPr/>
+      </p:nvGrpSpPr>
+      <p:grpSpPr>
+        <a:xfrm>
+          <a:off x="0" y="0"/>
+          <a:ext cx="0" cy="0"/>
+          <a:chOff x="0" y="0"/>
+          <a:chExt cx="0" cy="0"/>
+        </a:xfrm>
+      </p:grpSpPr>
+      <p:sp>
+        <p:nvSpPr>
+          <p:cNvPr id="5" name="Zástupný text 4">
+            <a:extLst>
+              <a:ext uri="{FF2B5EF4-FFF2-40B4-BE49-F238E27FC236}">
+                <a16:creationId xmlns:a16="http://schemas.microsoft.com/office/drawing/2014/main" id="{CE5817CA-DDD3-C213-0403-F4CEAC738D1A}"/>
+              </a:ext>
+            </a:extLst>
+          </p:cNvPr>
+          <p:cNvSpPr>
+            <a:spLocks noGrp="1"/>
+          </p:cNvSpPr>
+          <p:nvPr>
+            <p:ph type="body" sz="quarter" idx="11"/>
+          </p:nvPr>
+        </p:nvSpPr>
+        <p:spPr>
+          <a:xfrm>
+            <a:off x="3939791" y="311000"/>
+            <a:ext cx="4300590" cy="733218"/>
+          </a:xfrm>
+        </p:spPr>
+        <p:txBody>
+          <a:bodyPr lIns="91440" tIns="45720" rIns="91440" bIns="45720" anchor="ctr"/>
+          <a:lstStyle/>
+          <a:p>
+            <a:pPr algn="ctr"/>
+            <a:r>
+              <a:rPr lang="cs-CZ" sz="3600" dirty="0">
+                <a:latin typeface="Century"/>
+              </a:rPr>
+              <a:t>Rozbor diagramu</a:t>
+            </a:r>
+          </a:p>
+        </p:txBody>
+      </p:sp>
+      <p:sp>
+        <p:nvSpPr>
+          <p:cNvPr id="6" name="Zástupný symbol pro číslo snímku 5">
+            <a:extLst>
+              <a:ext uri="{FF2B5EF4-FFF2-40B4-BE49-F238E27FC236}">
+                <a16:creationId xmlns:a16="http://schemas.microsoft.com/office/drawing/2014/main" id="{18BCB7A0-904D-32DD-FAD1-9FD60A473BDA}"/>
+              </a:ext>
+            </a:extLst>
+          </p:cNvPr>
+          <p:cNvSpPr>
+            <a:spLocks noGrp="1"/>
+          </p:cNvSpPr>
+          <p:nvPr>
+            <p:ph type="sldNum" sz="quarter" idx="4"/>
+          </p:nvPr>
+        </p:nvSpPr>
+        <p:spPr/>
+        <p:txBody>
+          <a:bodyPr/>
+          <a:lstStyle/>
+          <a:p>
+            <a:r>
+              <a:rPr lang="en-US" dirty="0">
+                <a:latin typeface="Century"/>
+              </a:rPr>
+              <a:t>5</a:t>
+            </a:r>
+          </a:p>
+        </p:txBody>
+      </p:sp>
+      <p:pic>
+        <p:nvPicPr>
+          <p:cNvPr id="4" name="Obrázek 3" descr="Obsah obrázku text, diagram, snímek obrazovky, Písmo&#10;&#10;Popis se vygeneroval automaticky.">
+            <a:extLst>
+              <a:ext uri="{FF2B5EF4-FFF2-40B4-BE49-F238E27FC236}">
+                <a16:creationId xmlns:a16="http://schemas.microsoft.com/office/drawing/2014/main" id="{0FCF645E-9C4B-3678-8F97-B5E3A572C9FC}"/>
+              </a:ext>
+            </a:extLst>
+          </p:cNvPr>
+          <p:cNvPicPr>
+            <a:picLocks noChangeAspect="1"/>
+          </p:cNvPicPr>
+          <p:nvPr/>
+        </p:nvPicPr>
+        <p:blipFill>
+          <a:blip r:embed="rId2"/>
+          <a:stretch>
+            <a:fillRect/>
+          </a:stretch>
+        </p:blipFill>
+        <p:spPr>
+          <a:xfrm>
+            <a:off x="0" y="1404467"/>
+            <a:ext cx="12192000" cy="4893444"/>
+          </a:xfrm>
+          <a:prstGeom prst="rect">
+            <a:avLst/>
+          </a:prstGeom>
+        </p:spPr>
+      </p:pic>
+    </p:spTree>
+    <p:extLst>
+      <p:ext uri="{BB962C8B-B14F-4D97-AF65-F5344CB8AC3E}">
+        <p14:creationId xmlns:p14="http://schemas.microsoft.com/office/powerpoint/2010/main" val="2560972801"/>
+      </p:ext>
+    </p:extLst>
+  </p:cSld>
+  <p:clrMapOvr>
+    <a:masterClrMapping/>
+  </p:clrMapOvr>
+</p:sld>
+</file>
+
+<file path=ppt/slides/slide7.xml><?xml version="1.0" encoding="utf-8"?>
+<p:sld xmlns:a="http://schemas.openxmlformats.org/drawingml/2006/main" xmlns:r="http://schemas.openxmlformats.org/officeDocument/2006/relationships" xmlns:p="http://schemas.openxmlformats.org/presentationml/2006/main">
+  <p:cSld>
+    <p:spTree>
+      <p:nvGrpSpPr>
+        <p:cNvPr id="1" name=""/>
+        <p:cNvGrpSpPr/>
+        <p:nvPr/>
+      </p:nvGrpSpPr>
+      <p:grpSpPr>
+        <a:xfrm>
+          <a:off x="0" y="0"/>
+          <a:ext cx="0" cy="0"/>
+          <a:chOff x="0" y="0"/>
+          <a:chExt cx="0" cy="0"/>
+        </a:xfrm>
+      </p:grpSpPr>
+      <p:sp>
+        <p:nvSpPr>
+          <p:cNvPr id="26" name="Title 25">
+            <a:extLst>
+              <a:ext uri="{FF2B5EF4-FFF2-40B4-BE49-F238E27FC236}">
+                <a16:creationId xmlns:a16="http://schemas.microsoft.com/office/drawing/2014/main" id="{CDA2767E-38F3-49F7-BE02-EA3E6C7C8096}"/>
+              </a:ext>
+            </a:extLst>
+          </p:cNvPr>
+          <p:cNvSpPr>
+            <a:spLocks noGrp="1"/>
+          </p:cNvSpPr>
+          <p:nvPr>
+            <p:ph type="title"/>
+          </p:nvPr>
+        </p:nvSpPr>
+        <p:spPr>
+          <a:xfrm>
+            <a:off x="636608" y="866646"/>
+            <a:ext cx="3401992" cy="5121375"/>
+          </a:xfrm>
+          <a:ln>
+            <a:noFill/>
+          </a:ln>
+        </p:spPr>
+        <p:txBody>
+          <a:bodyPr lIns="91440" tIns="45720" rIns="91440" bIns="45720" anchor="ctr"/>
+          <a:lstStyle/>
+          <a:p>
+            <a:r>
+              <a:rPr lang="en-US" sz="4000" err="1">
+                <a:latin typeface="Century"/>
+                <a:ea typeface="+mj-lt"/>
+                <a:cs typeface="+mj-lt"/>
+              </a:rPr>
+              <a:t>Výsledek</a:t>
+            </a:r>
+            <a:endParaRPr lang="cs-CZ" sz="4000" err="1">
+              <a:latin typeface="Century"/>
+            </a:endParaRPr>
+          </a:p>
+        </p:txBody>
+      </p:sp>
+      <p:sp>
+        <p:nvSpPr>
+          <p:cNvPr id="50" name="Text Placeholder 17">
+            <a:extLst>
+              <a:ext uri="{FF2B5EF4-FFF2-40B4-BE49-F238E27FC236}">
+                <a16:creationId xmlns:a16="http://schemas.microsoft.com/office/drawing/2014/main" id="{62192F0C-65C9-4E6D-9314-81FB7E4DB469}"/>
+              </a:ext>
+            </a:extLst>
+          </p:cNvPr>
+          <p:cNvSpPr>
+            <a:spLocks noGrp="1"/>
+          </p:cNvSpPr>
+          <p:nvPr>
+            <p:ph sz="quarter" idx="10"/>
+          </p:nvPr>
+        </p:nvSpPr>
+        <p:spPr>
+          <a:xfrm>
+            <a:off x="5579338" y="804863"/>
+            <a:ext cx="5716587" cy="5248276"/>
+          </a:xfrm>
+        </p:spPr>
+        <p:txBody>
+          <a:bodyPr lIns="91440" tIns="45720" rIns="91440" bIns="45720" anchor="ctr"/>
+          <a:lstStyle/>
+          <a:p>
+            <a:pPr marL="283210" indent="-283210"/>
+            <a:r>
+              <a:rPr lang="en-US" sz="3200" dirty="0">
+                <a:latin typeface="Century"/>
+              </a:rPr>
+              <a:t>Co </a:t>
+            </a:r>
+            <a:r>
+              <a:rPr lang="en-US" sz="3200" err="1">
+                <a:latin typeface="Century"/>
+              </a:rPr>
+              <a:t>jsme</a:t>
+            </a:r>
+            <a:r>
+              <a:rPr lang="en-US" sz="3200" dirty="0">
+                <a:latin typeface="Century"/>
+              </a:rPr>
+              <a:t> </a:t>
+            </a:r>
+            <a:r>
+              <a:rPr lang="en-US" sz="3200" err="1">
+                <a:latin typeface="Century"/>
+              </a:rPr>
+              <a:t>udělali</a:t>
+            </a:r>
+            <a:r>
+              <a:rPr lang="en-US" sz="3200" dirty="0">
+                <a:latin typeface="Century"/>
+              </a:rPr>
+              <a:t> </a:t>
+            </a:r>
+            <a:r>
+              <a:rPr lang="en-US" sz="3200" err="1">
+                <a:latin typeface="Century"/>
+              </a:rPr>
+              <a:t>jinak</a:t>
+            </a:r>
+            <a:r>
+              <a:rPr lang="en-US" sz="3200" dirty="0">
+                <a:latin typeface="Century"/>
+              </a:rPr>
+              <a:t>?</a:t>
+            </a:r>
+          </a:p>
+          <a:p>
+            <a:pPr marL="283210" indent="-283210"/>
+            <a:r>
+              <a:rPr lang="en-US" sz="3200">
+                <a:latin typeface="Century"/>
+              </a:rPr>
+              <a:t>Pov</a:t>
+            </a:r>
+            <a:endParaRPr lang="en-US" sz="3200" dirty="0">
+              <a:latin typeface="Century"/>
+            </a:endParaRPr>
+          </a:p>
+        </p:txBody>
+      </p:sp>
+      <p:sp>
+        <p:nvSpPr>
+          <p:cNvPr id="2" name="Slide Number Placeholder 1">
+            <a:extLst>
+              <a:ext uri="{FF2B5EF4-FFF2-40B4-BE49-F238E27FC236}">
+                <a16:creationId xmlns:a16="http://schemas.microsoft.com/office/drawing/2014/main" id="{00490171-2859-5322-0F76-C05597544FBD}"/>
+              </a:ext>
+            </a:extLst>
+          </p:cNvPr>
+          <p:cNvSpPr>
+            <a:spLocks noGrp="1"/>
+          </p:cNvSpPr>
+          <p:nvPr>
+            <p:ph type="sldNum" sz="quarter" idx="4"/>
+          </p:nvPr>
+        </p:nvSpPr>
+        <p:spPr/>
+        <p:txBody>
+          <a:bodyPr/>
+          <a:lstStyle/>
+          <a:p>
+            <a:r>
+              <a:rPr lang="en-US" dirty="0">
+                <a:latin typeface="Century"/>
+              </a:rPr>
+              <a:t>6</a:t>
+            </a:r>
+          </a:p>
+        </p:txBody>
+      </p:sp>
+    </p:spTree>
+    <p:extLst>
+      <p:ext uri="{BB962C8B-B14F-4D97-AF65-F5344CB8AC3E}">
+        <p14:creationId xmlns:p14="http://schemas.microsoft.com/office/powerpoint/2010/main" val="654652765"/>
+      </p:ext>
+    </p:extLst>
+  </p:cSld>
+  <p:clrMapOvr>
+    <a:masterClrMapping/>
+  </p:clrMapOvr>
+</p:sld>
+</file>
+
+<file path=ppt/slides/slide8.xml><?xml version="1.0" encoding="utf-8"?>
+<p:sld xmlns:a="http://schemas.openxmlformats.org/drawingml/2006/main" xmlns:r="http://schemas.openxmlformats.org/officeDocument/2006/relationships" xmlns:p="http://schemas.openxmlformats.org/presentationml/2006/main">
+  <p:cSld>
+    <p:spTree>
+      <p:nvGrpSpPr>
+        <p:cNvPr id="1" name=""/>
+        <p:cNvGrpSpPr/>
+        <p:nvPr/>
+      </p:nvGrpSpPr>
+      <p:grpSpPr>
+        <a:xfrm>
+          <a:off x="0" y="0"/>
+          <a:ext cx="0" cy="0"/>
+          <a:chOff x="0" y="0"/>
+          <a:chExt cx="0" cy="0"/>
+        </a:xfrm>
+      </p:grpSpPr>
+      <p:sp>
+        <p:nvSpPr>
           <p:cNvPr id="3" name="Title 2">
             <a:extLst>
               <a:ext uri="{FF2B5EF4-FFF2-40B4-BE49-F238E27FC236}">
@@ -6664,7 +7417,9 @@
           <a:lstStyle/>
           <a:p>
             <a:r>
-              <a:rPr lang="en-US" sz="5400" dirty="0" err="1"/>
+              <a:rPr lang="en-US" sz="5400" dirty="0" err="1">
+                <a:latin typeface="Century"/>
+              </a:rPr>
               <a:t>Otázky</a:t>
             </a:r>
           </a:p>
@@ -7539,6 +8294,15 @@
 </file>
 
 <file path=customXml/item1.xml><?xml version="1.0" encoding="utf-8"?>
+<?mso-contentType ?>
+<FormTemplates xmlns="http://schemas.microsoft.com/sharepoint/v3/contenttype/forms">
+  <Display>DocumentLibraryForm</Display>
+  <Edit>DocumentLibraryForm</Edit>
+  <New>DocumentLibraryForm</New>
+</FormTemplates>
+</file>
+
+<file path=customXml/item2.xml><?xml version="1.0" encoding="utf-8"?>
 <p:properties xmlns:p="http://schemas.microsoft.com/office/2006/metadata/properties" xmlns:xsi="http://www.w3.org/2001/XMLSchema-instance" xmlns:pc="http://schemas.microsoft.com/office/infopath/2007/PartnerControls">
   <documentManagement>
     <_ip_UnifiedCompliancePolicyUIAction xmlns="http://schemas.microsoft.com/sharepoint/v3" xsi:nil="true"/>
@@ -7556,15 +8320,6 @@
     <MediaServiceKeyPoints xmlns="71af3243-3dd4-4a8d-8c0d-dd76da1f02a5" xsi:nil="true"/>
   </documentManagement>
 </p:properties>
-</file>
-
-<file path=customXml/item2.xml><?xml version="1.0" encoding="utf-8"?>
-<?mso-contentType ?>
-<FormTemplates xmlns="http://schemas.microsoft.com/sharepoint/v3/contenttype/forms">
-  <Display>DocumentLibraryForm</Display>
-  <Edit>DocumentLibraryForm</Edit>
-  <New>DocumentLibraryForm</New>
-</FormTemplates>
 </file>
 
 <file path=customXml/item3.xml><?xml version="1.0" encoding="utf-8"?>
@@ -7880,6 +8635,14 @@
 </file>
 
 <file path=customXml/itemProps1.xml><?xml version="1.0" encoding="utf-8"?>
+<ds:datastoreItem xmlns:ds="http://schemas.openxmlformats.org/officeDocument/2006/customXml" ds:itemID="{082D90A8-9F3C-48C5-89D7-0373E99D21E0}">
+  <ds:schemaRefs>
+    <ds:schemaRef ds:uri="http://schemas.microsoft.com/sharepoint/v3/contenttype/forms"/>
+  </ds:schemaRefs>
+</ds:datastoreItem>
+</file>
+
+<file path=customXml/itemProps2.xml><?xml version="1.0" encoding="utf-8"?>
 <ds:datastoreItem xmlns:ds="http://schemas.openxmlformats.org/officeDocument/2006/customXml" ds:itemID="{28BCCC92-D3FE-43DE-941A-6D46ECD2C525}">
   <ds:schemaRefs>
     <ds:schemaRef ds:uri="http://schemas.microsoft.com/office/2006/metadata/properties"/>
@@ -7887,14 +8650,6 @@
     <ds:schemaRef ds:uri="http://schemas.microsoft.com/sharepoint/v3"/>
     <ds:schemaRef ds:uri="71af3243-3dd4-4a8d-8c0d-dd76da1f02a5"/>
     <ds:schemaRef ds:uri="230e9df3-be65-4c73-a93b-d1236ebd677e"/>
-  </ds:schemaRefs>
-</ds:datastoreItem>
-</file>
-
-<file path=customXml/itemProps2.xml><?xml version="1.0" encoding="utf-8"?>
-<ds:datastoreItem xmlns:ds="http://schemas.openxmlformats.org/officeDocument/2006/customXml" ds:itemID="{082D90A8-9F3C-48C5-89D7-0373E99D21E0}">
-  <ds:schemaRefs>
-    <ds:schemaRef ds:uri="http://schemas.microsoft.com/sharepoint/v3/contenttype/forms"/>
   </ds:schemaRefs>
 </ds:datastoreItem>
 </file>

--- a/Presentation.pptx
+++ b/Presentation.pptx
@@ -136,8 +136,7 @@
 <file path=ppt/revisionInfo.xml><?xml version="1.0" encoding="utf-8"?>
 <p1510:revInfo xmlns:a="http://schemas.openxmlformats.org/drawingml/2006/main" xmlns:r="http://schemas.openxmlformats.org/officeDocument/2006/relationships" xmlns:p1510="http://schemas.microsoft.com/office/powerpoint/2015/10/main">
   <p1510:revLst>
-    <p1510:client id="{08D1419C-3CCB-33C6-6FBD-3D752D7BBA60}" v="142" dt="2024-03-11T23:54:58"/>
-    <p1510:client id="{9AB58AA1-3BBB-5798-4B64-19E1F476E9D3}" v="105" dt="2024-03-11T00:39:48.739"/>
+    <p1510:client id="{3DCBAC79-A92A-9C30-AED2-595F342F02F6}" v="8" dt="2024-03-14T06:23:33.798"/>
   </p1510:revLst>
 </p1510:revInfo>
 </file>
@@ -620,6 +619,38 @@
       </pc:sldChg>
     </pc:docChg>
   </pc:docChgLst>
+  <pc:docChgLst>
+    <pc:chgData name="Michael Szotkowski" userId="S::xszotko1@mendelu.cz::be782a8f-0997-482c-84d9-e8b4ec0ca663" providerId="AD" clId="Web-{3DCBAC79-A92A-9C30-AED2-595F342F02F6}"/>
+    <pc:docChg chg="modSld">
+      <pc:chgData name="Michael Szotkowski" userId="S::xszotko1@mendelu.cz::be782a8f-0997-482c-84d9-e8b4ec0ca663" providerId="AD" clId="Web-{3DCBAC79-A92A-9C30-AED2-595F342F02F6}" dt="2024-03-14T06:23:33.798" v="6" actId="1076"/>
+      <pc:docMkLst>
+        <pc:docMk/>
+      </pc:docMkLst>
+      <pc:sldChg chg="addSp delSp modSp">
+        <pc:chgData name="Michael Szotkowski" userId="S::xszotko1@mendelu.cz::be782a8f-0997-482c-84d9-e8b4ec0ca663" providerId="AD" clId="Web-{3DCBAC79-A92A-9C30-AED2-595F342F02F6}" dt="2024-03-14T06:23:33.798" v="6" actId="1076"/>
+        <pc:sldMkLst>
+          <pc:docMk/>
+          <pc:sldMk cId="10315881" sldId="313"/>
+        </pc:sldMkLst>
+        <pc:picChg chg="add mod">
+          <ac:chgData name="Michael Szotkowski" userId="S::xszotko1@mendelu.cz::be782a8f-0997-482c-84d9-e8b4ec0ca663" providerId="AD" clId="Web-{3DCBAC79-A92A-9C30-AED2-595F342F02F6}" dt="2024-03-14T06:23:33.798" v="6" actId="1076"/>
+          <ac:picMkLst>
+            <pc:docMk/>
+            <pc:sldMk cId="10315881" sldId="313"/>
+            <ac:picMk id="2" creationId="{C99AE4C9-9444-59E6-C6EB-9BF7D86B6F16}"/>
+          </ac:picMkLst>
+        </pc:picChg>
+        <pc:picChg chg="del">
+          <ac:chgData name="Michael Szotkowski" userId="S::xszotko1@mendelu.cz::be782a8f-0997-482c-84d9-e8b4ec0ca663" providerId="AD" clId="Web-{3DCBAC79-A92A-9C30-AED2-595F342F02F6}" dt="2024-03-14T06:23:08.126" v="1"/>
+          <ac:picMkLst>
+            <pc:docMk/>
+            <pc:sldMk cId="10315881" sldId="313"/>
+            <ac:picMk id="4" creationId="{1D71661E-54C5-CF55-01C4-5FFDEF93F75A}"/>
+          </ac:picMkLst>
+        </pc:picChg>
+      </pc:sldChg>
+    </pc:docChg>
+  </pc:docChgLst>
 </pc:chgInfo>
 </file>
 
@@ -717,7 +748,7 @@
           <a:p>
             <a:fld id="{86252186-C111-43A8-A0F7-F77FFDE4DF82}" type="datetimeFigureOut">
               <a:rPr lang="en-US" smtClean="0"/>
-              <a:t>3/12/2024</a:t>
+              <a:t>3/13/2024</a:t>
             </a:fld>
             <a:endParaRPr lang="en-US" dirty="0"/>
           </a:p>
@@ -894,7 +925,7 @@
           <a:p>
             <a:fld id="{7E2BBB5B-F3DE-41D7-B279-483D20E8E363}" type="datetimeFigureOut">
               <a:rPr lang="en-US" smtClean="0"/>
-              <a:t>3/12/2024</a:t>
+              <a:t>3/13/2024</a:t>
             </a:fld>
             <a:endParaRPr lang="en-US" dirty="0"/>
           </a:p>
@@ -6856,10 +6887,10 @@
       </p:sp>
       <p:pic>
         <p:nvPicPr>
-          <p:cNvPr id="4" name="Obrázek 3" descr="Obsah obrázku text, diagram, snímek obrazovky, Plán&#10;&#10;Popis byl vytvořen automaticky">
+          <p:cNvPr id="2" name="Obrázek 1" descr="Obsah obrázku text, diagram, Plán, snímek obrazovky&#10;&#10;Popis se vygeneroval automaticky.">
             <a:extLst>
               <a:ext uri="{FF2B5EF4-FFF2-40B4-BE49-F238E27FC236}">
-                <a16:creationId xmlns:a16="http://schemas.microsoft.com/office/drawing/2014/main" id="{1D71661E-54C5-CF55-01C4-5FFDEF93F75A}"/>
+                <a16:creationId xmlns:a16="http://schemas.microsoft.com/office/drawing/2014/main" id="{C99AE4C9-9444-59E6-C6EB-9BF7D86B6F16}"/>
               </a:ext>
             </a:extLst>
           </p:cNvPr>
@@ -6876,8 +6907,8 @@
         </p:blipFill>
         <p:spPr>
           <a:xfrm>
-            <a:off x="1003281" y="1044218"/>
-            <a:ext cx="10344375" cy="5813782"/>
+            <a:off x="938985" y="1094574"/>
+            <a:ext cx="10307595" cy="5763582"/>
           </a:xfrm>
           <a:prstGeom prst="rect">
             <a:avLst/>
@@ -14474,6 +14505,15 @@
 </file>
 
 <file path=customXml/item1.xml><?xml version="1.0" encoding="utf-8"?>
+<?mso-contentType ?>
+<FormTemplates xmlns="http://schemas.microsoft.com/sharepoint/v3/contenttype/forms">
+  <Display>DocumentLibraryForm</Display>
+  <Edit>DocumentLibraryForm</Edit>
+  <New>DocumentLibraryForm</New>
+</FormTemplates>
+</file>
+
+<file path=customXml/item2.xml><?xml version="1.0" encoding="utf-8"?>
 <p:properties xmlns:p="http://schemas.microsoft.com/office/2006/metadata/properties" xmlns:xsi="http://www.w3.org/2001/XMLSchema-instance" xmlns:pc="http://schemas.microsoft.com/office/infopath/2007/PartnerControls">
   <documentManagement>
     <_ip_UnifiedCompliancePolicyUIAction xmlns="http://schemas.microsoft.com/sharepoint/v3" xsi:nil="true"/>
@@ -14491,15 +14531,6 @@
     <MediaServiceKeyPoints xmlns="71af3243-3dd4-4a8d-8c0d-dd76da1f02a5" xsi:nil="true"/>
   </documentManagement>
 </p:properties>
-</file>
-
-<file path=customXml/item2.xml><?xml version="1.0" encoding="utf-8"?>
-<?mso-contentType ?>
-<FormTemplates xmlns="http://schemas.microsoft.com/sharepoint/v3/contenttype/forms">
-  <Display>DocumentLibraryForm</Display>
-  <Edit>DocumentLibraryForm</Edit>
-  <New>DocumentLibraryForm</New>
-</FormTemplates>
 </file>
 
 <file path=customXml/item3.xml><?xml version="1.0" encoding="utf-8"?>
@@ -14815,6 +14846,14 @@
 </file>
 
 <file path=customXml/itemProps1.xml><?xml version="1.0" encoding="utf-8"?>
+<ds:datastoreItem xmlns:ds="http://schemas.openxmlformats.org/officeDocument/2006/customXml" ds:itemID="{082D90A8-9F3C-48C5-89D7-0373E99D21E0}">
+  <ds:schemaRefs>
+    <ds:schemaRef ds:uri="http://schemas.microsoft.com/sharepoint/v3/contenttype/forms"/>
+  </ds:schemaRefs>
+</ds:datastoreItem>
+</file>
+
+<file path=customXml/itemProps2.xml><?xml version="1.0" encoding="utf-8"?>
 <ds:datastoreItem xmlns:ds="http://schemas.openxmlformats.org/officeDocument/2006/customXml" ds:itemID="{28BCCC92-D3FE-43DE-941A-6D46ECD2C525}">
   <ds:schemaRefs>
     <ds:schemaRef ds:uri="http://schemas.microsoft.com/office/2006/metadata/properties"/>
@@ -14822,14 +14861,6 @@
     <ds:schemaRef ds:uri="http://schemas.microsoft.com/sharepoint/v3"/>
     <ds:schemaRef ds:uri="71af3243-3dd4-4a8d-8c0d-dd76da1f02a5"/>
     <ds:schemaRef ds:uri="230e9df3-be65-4c73-a93b-d1236ebd677e"/>
-  </ds:schemaRefs>
-</ds:datastoreItem>
-</file>
-
-<file path=customXml/itemProps2.xml><?xml version="1.0" encoding="utf-8"?>
-<ds:datastoreItem xmlns:ds="http://schemas.openxmlformats.org/officeDocument/2006/customXml" ds:itemID="{082D90A8-9F3C-48C5-89D7-0373E99D21E0}">
-  <ds:schemaRefs>
-    <ds:schemaRef ds:uri="http://schemas.microsoft.com/sharepoint/v3/contenttype/forms"/>
   </ds:schemaRefs>
 </ds:datastoreItem>
 </file>
